--- a/team333-master/proposal/종합설계_설계서_180219.pptx
+++ b/team333-master/proposal/종합설계_설계서_180219.pptx
@@ -448,6 +448,494 @@
     </pc:docChg>
   </pc:docChgLst>
   <pc:docChgLst>
+    <pc:chgData userId="aebf67d56af0f801" providerId="LiveId" clId="{6153D0E9-EB37-4B99-BB5D-1E45B0EA610C}"/>
+    <pc:docChg chg="custSel addSld modSld">
+      <pc:chgData name="" userId="aebf67d56af0f801" providerId="LiveId" clId="{6153D0E9-EB37-4B99-BB5D-1E45B0EA610C}" dt="2018-03-20T07:08:07.989" v="1343"/>
+      <pc:docMkLst>
+        <pc:docMk/>
+      </pc:docMkLst>
+      <pc:sldChg chg="modSp">
+        <pc:chgData name="" userId="aebf67d56af0f801" providerId="LiveId" clId="{6153D0E9-EB37-4B99-BB5D-1E45B0EA610C}" dt="2018-03-20T07:08:07.989" v="1343"/>
+        <pc:sldMkLst>
+          <pc:docMk/>
+          <pc:sldMk cId="2320818773" sldId="384"/>
+        </pc:sldMkLst>
+        <pc:spChg chg="mod">
+          <ac:chgData name="" userId="aebf67d56af0f801" providerId="LiveId" clId="{6153D0E9-EB37-4B99-BB5D-1E45B0EA610C}" dt="2018-03-20T07:08:07.989" v="1343"/>
+          <ac:spMkLst>
+            <pc:docMk/>
+            <pc:sldMk cId="2320818773" sldId="384"/>
+            <ac:spMk id="9219" creationId="{E795202B-C13C-4527-8AB6-4E4909F186C8}"/>
+          </ac:spMkLst>
+        </pc:spChg>
+      </pc:sldChg>
+      <pc:sldChg chg="addSp delSp modSp">
+        <pc:chgData name="" userId="aebf67d56af0f801" providerId="LiveId" clId="{6153D0E9-EB37-4B99-BB5D-1E45B0EA610C}" dt="2018-03-20T06:59:35.820" v="764"/>
+        <pc:sldMkLst>
+          <pc:docMk/>
+          <pc:sldMk cId="1069076585" sldId="391"/>
+        </pc:sldMkLst>
+        <pc:spChg chg="mod">
+          <ac:chgData name="" userId="aebf67d56af0f801" providerId="LiveId" clId="{6153D0E9-EB37-4B99-BB5D-1E45B0EA610C}" dt="2018-03-20T06:52:58.311" v="475" actId="20577"/>
+          <ac:spMkLst>
+            <pc:docMk/>
+            <pc:sldMk cId="1069076585" sldId="391"/>
+            <ac:spMk id="3" creationId="{00000000-0000-0000-0000-000000000000}"/>
+          </ac:spMkLst>
+        </pc:spChg>
+        <pc:spChg chg="del mod">
+          <ac:chgData name="" userId="aebf67d56af0f801" providerId="LiveId" clId="{6153D0E9-EB37-4B99-BB5D-1E45B0EA610C}" dt="2018-03-20T06:54:41.351" v="478"/>
+          <ac:spMkLst>
+            <pc:docMk/>
+            <pc:sldMk cId="1069076585" sldId="391"/>
+            <ac:spMk id="5" creationId="{00000000-0000-0000-0000-000000000000}"/>
+          </ac:spMkLst>
+        </pc:spChg>
+        <pc:spChg chg="add mod">
+          <ac:chgData name="" userId="aebf67d56af0f801" providerId="LiveId" clId="{6153D0E9-EB37-4B99-BB5D-1E45B0EA610C}" dt="2018-03-20T06:59:35.820" v="764"/>
+          <ac:spMkLst>
+            <pc:docMk/>
+            <pc:sldMk cId="1069076585" sldId="391"/>
+            <ac:spMk id="6" creationId="{333645EF-5042-4DD1-92E8-93C2E0BF7A44}"/>
+          </ac:spMkLst>
+        </pc:spChg>
+        <pc:spChg chg="del mod">
+          <ac:chgData name="" userId="aebf67d56af0f801" providerId="LiveId" clId="{6153D0E9-EB37-4B99-BB5D-1E45B0EA610C}" dt="2018-03-20T06:54:43.950" v="481"/>
+          <ac:spMkLst>
+            <pc:docMk/>
+            <pc:sldMk cId="1069076585" sldId="391"/>
+            <ac:spMk id="7" creationId="{00000000-0000-0000-0000-000000000000}"/>
+          </ac:spMkLst>
+        </pc:spChg>
+      </pc:sldChg>
+      <pc:sldChg chg="addSp delSp modSp">
+        <pc:chgData name="" userId="aebf67d56af0f801" providerId="LiveId" clId="{6153D0E9-EB37-4B99-BB5D-1E45B0EA610C}" dt="2018-03-20T07:00:43.168" v="765" actId="1076"/>
+        <pc:sldMkLst>
+          <pc:docMk/>
+          <pc:sldMk cId="3557996374" sldId="392"/>
+        </pc:sldMkLst>
+        <pc:spChg chg="mod">
+          <ac:chgData name="" userId="aebf67d56af0f801" providerId="LiveId" clId="{6153D0E9-EB37-4B99-BB5D-1E45B0EA610C}" dt="2018-03-20T06:52:35.920" v="473" actId="20577"/>
+          <ac:spMkLst>
+            <pc:docMk/>
+            <pc:sldMk cId="3557996374" sldId="392"/>
+            <ac:spMk id="2" creationId="{00000000-0000-0000-0000-000000000000}"/>
+          </ac:spMkLst>
+        </pc:spChg>
+        <pc:spChg chg="mod">
+          <ac:chgData name="" userId="aebf67d56af0f801" providerId="LiveId" clId="{6153D0E9-EB37-4B99-BB5D-1E45B0EA610C}" dt="2018-03-20T06:52:27.792" v="465" actId="20577"/>
+          <ac:spMkLst>
+            <pc:docMk/>
+            <pc:sldMk cId="3557996374" sldId="392"/>
+            <ac:spMk id="3" creationId="{00000000-0000-0000-0000-000000000000}"/>
+          </ac:spMkLst>
+        </pc:spChg>
+        <pc:spChg chg="add mod">
+          <ac:chgData name="" userId="aebf67d56af0f801" providerId="LiveId" clId="{6153D0E9-EB37-4B99-BB5D-1E45B0EA610C}" dt="2018-03-20T07:00:43.168" v="765" actId="1076"/>
+          <ac:spMkLst>
+            <pc:docMk/>
+            <pc:sldMk cId="3557996374" sldId="392"/>
+            <ac:spMk id="6" creationId="{70392821-FCAC-4440-BB75-BEB10B0C0686}"/>
+          </ac:spMkLst>
+        </pc:spChg>
+        <pc:picChg chg="del">
+          <ac:chgData name="" userId="aebf67d56af0f801" providerId="LiveId" clId="{6153D0E9-EB37-4B99-BB5D-1E45B0EA610C}" dt="2018-03-20T06:46:40.125" v="305" actId="478"/>
+          <ac:picMkLst>
+            <pc:docMk/>
+            <pc:sldMk cId="3557996374" sldId="392"/>
+            <ac:picMk id="5" creationId="{00000000-0000-0000-0000-000000000000}"/>
+          </ac:picMkLst>
+        </pc:picChg>
+      </pc:sldChg>
+      <pc:sldChg chg="modSp">
+        <pc:chgData name="" userId="aebf67d56af0f801" providerId="LiveId" clId="{6153D0E9-EB37-4B99-BB5D-1E45B0EA610C}" dt="2018-02-22T04:56:09.386" v="1"/>
+        <pc:sldMkLst>
+          <pc:docMk/>
+          <pc:sldMk cId="3882421639" sldId="393"/>
+        </pc:sldMkLst>
+        <pc:spChg chg="mod">
+          <ac:chgData name="" userId="aebf67d56af0f801" providerId="LiveId" clId="{6153D0E9-EB37-4B99-BB5D-1E45B0EA610C}" dt="2018-02-22T04:56:09.386" v="1"/>
+          <ac:spMkLst>
+            <pc:docMk/>
+            <pc:sldMk cId="3882421639" sldId="393"/>
+            <ac:spMk id="3" creationId="{00000000-0000-0000-0000-000000000000}"/>
+          </ac:spMkLst>
+        </pc:spChg>
+      </pc:sldChg>
+      <pc:sldChg chg="addSp delSp modSp add">
+        <pc:chgData name="" userId="aebf67d56af0f801" providerId="LiveId" clId="{6153D0E9-EB37-4B99-BB5D-1E45B0EA610C}" dt="2018-02-22T05:09:46.029" v="295"/>
+        <pc:sldMkLst>
+          <pc:docMk/>
+          <pc:sldMk cId="1671146547" sldId="394"/>
+        </pc:sldMkLst>
+        <pc:spChg chg="mod">
+          <ac:chgData name="" userId="aebf67d56af0f801" providerId="LiveId" clId="{6153D0E9-EB37-4B99-BB5D-1E45B0EA610C}" dt="2018-02-22T05:04:42.074" v="28"/>
+          <ac:spMkLst>
+            <pc:docMk/>
+            <pc:sldMk cId="1671146547" sldId="394"/>
+            <ac:spMk id="2" creationId="{A3B4F0DE-BB0B-4ED3-AD47-E59FA283DAB0}"/>
+          </ac:spMkLst>
+        </pc:spChg>
+        <pc:spChg chg="del">
+          <ac:chgData name="" userId="aebf67d56af0f801" providerId="LiveId" clId="{6153D0E9-EB37-4B99-BB5D-1E45B0EA610C}" dt="2018-02-22T05:04:33.621" v="3" actId="478"/>
+          <ac:spMkLst>
+            <pc:docMk/>
+            <pc:sldMk cId="1671146547" sldId="394"/>
+            <ac:spMk id="3" creationId="{D211B601-BF61-4276-87E5-DA24D8261DAA}"/>
+          </ac:spMkLst>
+        </pc:spChg>
+        <pc:spChg chg="add mod">
+          <ac:chgData name="" userId="aebf67d56af0f801" providerId="LiveId" clId="{6153D0E9-EB37-4B99-BB5D-1E45B0EA610C}" dt="2018-02-22T05:07:17.089" v="72" actId="1076"/>
+          <ac:spMkLst>
+            <pc:docMk/>
+            <pc:sldMk cId="1671146547" sldId="394"/>
+            <ac:spMk id="8" creationId="{4D4E5E7A-6140-44CC-9A2E-30207C0B3D0D}"/>
+          </ac:spMkLst>
+        </pc:spChg>
+        <pc:spChg chg="add mod">
+          <ac:chgData name="" userId="aebf67d56af0f801" providerId="LiveId" clId="{6153D0E9-EB37-4B99-BB5D-1E45B0EA610C}" dt="2018-02-22T05:07:20.227" v="73" actId="1076"/>
+          <ac:spMkLst>
+            <pc:docMk/>
+            <pc:sldMk cId="1671146547" sldId="394"/>
+            <ac:spMk id="12" creationId="{F8AEA778-BCEE-406C-B301-645BB0532217}"/>
+          </ac:spMkLst>
+        </pc:spChg>
+        <pc:spChg chg="add mod">
+          <ac:chgData name="" userId="aebf67d56af0f801" providerId="LiveId" clId="{6153D0E9-EB37-4B99-BB5D-1E45B0EA610C}" dt="2018-02-22T05:09:46.029" v="295"/>
+          <ac:spMkLst>
+            <pc:docMk/>
+            <pc:sldMk cId="1671146547" sldId="394"/>
+            <ac:spMk id="15" creationId="{66A9BE1E-DA4D-4528-8925-2CE053F21AD0}"/>
+          </ac:spMkLst>
+        </pc:spChg>
+        <pc:picChg chg="add mod">
+          <ac:chgData name="" userId="aebf67d56af0f801" providerId="LiveId" clId="{6153D0E9-EB37-4B99-BB5D-1E45B0EA610C}" dt="2018-02-22T05:07:07.688" v="67" actId="14100"/>
+          <ac:picMkLst>
+            <pc:docMk/>
+            <pc:sldMk cId="1671146547" sldId="394"/>
+            <ac:picMk id="5" creationId="{BF8AE021-EB06-4251-88D0-CB93F3EBDD39}"/>
+          </ac:picMkLst>
+        </pc:picChg>
+        <pc:cxnChg chg="add mod">
+          <ac:chgData name="" userId="aebf67d56af0f801" providerId="LiveId" clId="{6153D0E9-EB37-4B99-BB5D-1E45B0EA610C}" dt="2018-02-22T05:07:14.717" v="71" actId="14100"/>
+          <ac:cxnSpMkLst>
+            <pc:docMk/>
+            <pc:sldMk cId="1671146547" sldId="394"/>
+            <ac:cxnSpMk id="7" creationId="{5D1E0912-2E34-4DD2-9E4C-9BDAF4B64F4F}"/>
+          </ac:cxnSpMkLst>
+        </pc:cxnChg>
+        <pc:cxnChg chg="add del mod">
+          <ac:chgData name="" userId="aebf67d56af0f801" providerId="LiveId" clId="{6153D0E9-EB37-4B99-BB5D-1E45B0EA610C}" dt="2018-02-22T05:06:24.806" v="49" actId="478"/>
+          <ac:cxnSpMkLst>
+            <pc:docMk/>
+            <pc:sldMk cId="1671146547" sldId="394"/>
+            <ac:cxnSpMk id="9" creationId="{0B3465E6-A97E-4674-9FFA-5E9A78A89A85}"/>
+          </ac:cxnSpMkLst>
+        </pc:cxnChg>
+        <pc:cxnChg chg="add mod">
+          <ac:chgData name="" userId="aebf67d56af0f801" providerId="LiveId" clId="{6153D0E9-EB37-4B99-BB5D-1E45B0EA610C}" dt="2018-02-22T05:07:11.840" v="69" actId="14100"/>
+          <ac:cxnSpMkLst>
+            <pc:docMk/>
+            <pc:sldMk cId="1671146547" sldId="394"/>
+            <ac:cxnSpMk id="10" creationId="{28394FEF-E27F-43B8-9E48-A070754FBF0D}"/>
+          </ac:cxnSpMkLst>
+        </pc:cxnChg>
+      </pc:sldChg>
+    </pc:docChg>
+  </pc:docChgLst>
+  <pc:docChgLst>
+    <pc:chgData name="김연수" userId="aebf67d56af0f801" providerId="LiveId" clId="{71C3996E-C22D-4C74-AFB3-176AD5791EAE}"/>
+    <pc:docChg chg="custSel addSld delSld modSld modMainMaster">
+      <pc:chgData name="김연수" userId="aebf67d56af0f801" providerId="LiveId" clId="{71C3996E-C22D-4C74-AFB3-176AD5791EAE}" dt="2018-02-12T05:53:38.597" v="621" actId="1076"/>
+      <pc:docMkLst>
+        <pc:docMk/>
+      </pc:docMkLst>
+      <pc:sldChg chg="delSp">
+        <pc:chgData name="김연수" userId="aebf67d56af0f801" providerId="LiveId" clId="{71C3996E-C22D-4C74-AFB3-176AD5791EAE}" dt="2018-02-12T05:21:03.220" v="27" actId="478"/>
+        <pc:sldMkLst>
+          <pc:docMk/>
+          <pc:sldMk cId="0" sldId="295"/>
+        </pc:sldMkLst>
+        <pc:spChg chg="del">
+          <ac:chgData name="김연수" userId="aebf67d56af0f801" providerId="LiveId" clId="{71C3996E-C22D-4C74-AFB3-176AD5791EAE}" dt="2018-02-12T05:21:03.220" v="27" actId="478"/>
+          <ac:spMkLst>
+            <pc:docMk/>
+            <pc:sldMk cId="0" sldId="295"/>
+            <ac:spMk id="4101" creationId="{D75EFFAF-B972-4B34-AD33-F88B9200770A}"/>
+          </ac:spMkLst>
+        </pc:spChg>
+      </pc:sldChg>
+      <pc:sldChg chg="modSp">
+        <pc:chgData name="김연수" userId="aebf67d56af0f801" providerId="LiveId" clId="{71C3996E-C22D-4C74-AFB3-176AD5791EAE}" dt="2018-02-12T05:07:18.977" v="10" actId="27636"/>
+        <pc:sldMkLst>
+          <pc:docMk/>
+          <pc:sldMk cId="0" sldId="367"/>
+        </pc:sldMkLst>
+        <pc:spChg chg="mod">
+          <ac:chgData name="김연수" userId="aebf67d56af0f801" providerId="LiveId" clId="{71C3996E-C22D-4C74-AFB3-176AD5791EAE}" dt="2018-02-12T05:07:18.977" v="10" actId="27636"/>
+          <ac:spMkLst>
+            <pc:docMk/>
+            <pc:sldMk cId="0" sldId="367"/>
+            <ac:spMk id="6147" creationId="{1982F47F-F98A-4E68-B1AD-50A2D94E9337}"/>
+          </ac:spMkLst>
+        </pc:spChg>
+      </pc:sldChg>
+      <pc:sldChg chg="modSp">
+        <pc:chgData name="김연수" userId="aebf67d56af0f801" providerId="LiveId" clId="{71C3996E-C22D-4C74-AFB3-176AD5791EAE}" dt="2018-02-12T05:09:04.149" v="20" actId="27636"/>
+        <pc:sldMkLst>
+          <pc:docMk/>
+          <pc:sldMk cId="2130903464" sldId="372"/>
+        </pc:sldMkLst>
+        <pc:spChg chg="mod">
+          <ac:chgData name="김연수" userId="aebf67d56af0f801" providerId="LiveId" clId="{71C3996E-C22D-4C74-AFB3-176AD5791EAE}" dt="2018-02-12T05:09:04.149" v="20" actId="27636"/>
+          <ac:spMkLst>
+            <pc:docMk/>
+            <pc:sldMk cId="2130903464" sldId="372"/>
+            <ac:spMk id="3" creationId="{0D7485E8-8CAF-43BA-9268-0D6A7AD60A63}"/>
+          </ac:spMkLst>
+        </pc:spChg>
+      </pc:sldChg>
+      <pc:sldChg chg="modSp">
+        <pc:chgData name="김연수" userId="aebf67d56af0f801" providerId="LiveId" clId="{71C3996E-C22D-4C74-AFB3-176AD5791EAE}" dt="2018-02-12T05:07:44.862" v="13" actId="27636"/>
+        <pc:sldMkLst>
+          <pc:docMk/>
+          <pc:sldMk cId="2102086756" sldId="374"/>
+        </pc:sldMkLst>
+        <pc:spChg chg="mod">
+          <ac:chgData name="김연수" userId="aebf67d56af0f801" providerId="LiveId" clId="{71C3996E-C22D-4C74-AFB3-176AD5791EAE}" dt="2018-02-12T05:07:44.862" v="13" actId="27636"/>
+          <ac:spMkLst>
+            <pc:docMk/>
+            <pc:sldMk cId="2102086756" sldId="374"/>
+            <ac:spMk id="3" creationId="{B9401628-FA15-40B8-B9CF-59F9C8B21372}"/>
+          </ac:spMkLst>
+        </pc:spChg>
+      </pc:sldChg>
+      <pc:sldChg chg="addSp delSp modSp">
+        <pc:chgData name="김연수" userId="aebf67d56af0f801" providerId="LiveId" clId="{71C3996E-C22D-4C74-AFB3-176AD5791EAE}" dt="2018-02-12T05:53:38.597" v="621" actId="1076"/>
+        <pc:sldMkLst>
+          <pc:docMk/>
+          <pc:sldMk cId="280804507" sldId="378"/>
+        </pc:sldMkLst>
+        <pc:spChg chg="del mod">
+          <ac:chgData name="김연수" userId="aebf67d56af0f801" providerId="LiveId" clId="{71C3996E-C22D-4C74-AFB3-176AD5791EAE}" dt="2018-02-12T05:50:04.824" v="610" actId="478"/>
+          <ac:spMkLst>
+            <pc:docMk/>
+            <pc:sldMk cId="280804507" sldId="378"/>
+            <ac:spMk id="7" creationId="{AF159152-9C08-4C1B-B7EC-ED4101B8928C}"/>
+          </ac:spMkLst>
+        </pc:spChg>
+        <pc:spChg chg="add mod">
+          <ac:chgData name="김연수" userId="aebf67d56af0f801" providerId="LiveId" clId="{71C3996E-C22D-4C74-AFB3-176AD5791EAE}" dt="2018-02-12T05:53:38.597" v="621" actId="1076"/>
+          <ac:spMkLst>
+            <pc:docMk/>
+            <pc:sldMk cId="280804507" sldId="378"/>
+            <ac:spMk id="8" creationId="{0DF1DEE7-4639-4C5F-B7C5-486988A698F9}"/>
+          </ac:spMkLst>
+        </pc:spChg>
+        <pc:spChg chg="add mod">
+          <ac:chgData name="김연수" userId="aebf67d56af0f801" providerId="LiveId" clId="{71C3996E-C22D-4C74-AFB3-176AD5791EAE}" dt="2018-02-12T05:44:27.606" v="197" actId="1076"/>
+          <ac:spMkLst>
+            <pc:docMk/>
+            <pc:sldMk cId="280804507" sldId="378"/>
+            <ac:spMk id="9" creationId="{084EE92A-7400-40C4-95CE-A157D1AAA13A}"/>
+          </ac:spMkLst>
+        </pc:spChg>
+        <pc:spChg chg="mod">
+          <ac:chgData name="김연수" userId="aebf67d56af0f801" providerId="LiveId" clId="{71C3996E-C22D-4C74-AFB3-176AD5791EAE}" dt="2018-02-12T05:52:36.489" v="619" actId="6549"/>
+          <ac:spMkLst>
+            <pc:docMk/>
+            <pc:sldMk cId="280804507" sldId="378"/>
+            <ac:spMk id="11267" creationId="{BD7987CE-31FC-4C6A-A72F-191212AC3F9E}"/>
+          </ac:spMkLst>
+        </pc:spChg>
+        <pc:graphicFrameChg chg="del mod modGraphic">
+          <ac:chgData name="김연수" userId="aebf67d56af0f801" providerId="LiveId" clId="{71C3996E-C22D-4C74-AFB3-176AD5791EAE}" dt="2018-02-12T05:43:04.476" v="106" actId="478"/>
+          <ac:graphicFrameMkLst>
+            <pc:docMk/>
+            <pc:sldMk cId="280804507" sldId="378"/>
+            <ac:graphicFrameMk id="3" creationId="{FB2A720A-363B-477A-8F6D-A608A3282EE1}"/>
+          </ac:graphicFrameMkLst>
+        </pc:graphicFrameChg>
+        <pc:graphicFrameChg chg="add del mod modGraphic">
+          <ac:chgData name="김연수" userId="aebf67d56af0f801" providerId="LiveId" clId="{71C3996E-C22D-4C74-AFB3-176AD5791EAE}" dt="2018-02-12T05:43:08.061" v="107" actId="478"/>
+          <ac:graphicFrameMkLst>
+            <pc:docMk/>
+            <pc:sldMk cId="280804507" sldId="378"/>
+            <ac:graphicFrameMk id="10" creationId="{383E95BE-9347-47EB-888D-9E23B994A5B0}"/>
+          </ac:graphicFrameMkLst>
+        </pc:graphicFrameChg>
+        <pc:graphicFrameChg chg="add mod modGraphic">
+          <ac:chgData name="김연수" userId="aebf67d56af0f801" providerId="LiveId" clId="{71C3996E-C22D-4C74-AFB3-176AD5791EAE}" dt="2018-02-12T05:43:21.184" v="110" actId="1076"/>
+          <ac:graphicFrameMkLst>
+            <pc:docMk/>
+            <pc:sldMk cId="280804507" sldId="378"/>
+            <ac:graphicFrameMk id="11" creationId="{5A61F48D-7284-4490-94BB-6C05FB6C0B1F}"/>
+          </ac:graphicFrameMkLst>
+        </pc:graphicFrameChg>
+        <pc:picChg chg="mod">
+          <ac:chgData name="김연수" userId="aebf67d56af0f801" providerId="LiveId" clId="{71C3996E-C22D-4C74-AFB3-176AD5791EAE}" dt="2018-02-12T05:39:39.476" v="37" actId="1076"/>
+          <ac:picMkLst>
+            <pc:docMk/>
+            <pc:sldMk cId="280804507" sldId="378"/>
+            <ac:picMk id="6" creationId="{C652C955-CCBD-4ADE-9F61-D99A66713BB3}"/>
+          </ac:picMkLst>
+        </pc:picChg>
+        <pc:picChg chg="add mod">
+          <ac:chgData name="김연수" userId="aebf67d56af0f801" providerId="LiveId" clId="{71C3996E-C22D-4C74-AFB3-176AD5791EAE}" dt="2018-02-12T05:53:25.343" v="620" actId="1076"/>
+          <ac:picMkLst>
+            <pc:docMk/>
+            <pc:sldMk cId="280804507" sldId="378"/>
+            <ac:picMk id="12" creationId="{C88B36A3-EADE-406A-9621-B97F50D6FAA1}"/>
+          </ac:picMkLst>
+        </pc:picChg>
+      </pc:sldChg>
+      <pc:sldChg chg="add">
+        <pc:chgData name="김연수" userId="aebf67d56af0f801" providerId="LiveId" clId="{71C3996E-C22D-4C74-AFB3-176AD5791EAE}" dt="2018-02-12T05:37:54.031" v="29" actId="1076"/>
+        <pc:sldMkLst>
+          <pc:docMk/>
+          <pc:sldMk cId="1191103487" sldId="383"/>
+        </pc:sldMkLst>
+      </pc:sldChg>
+      <pc:sldChg chg="add">
+        <pc:chgData name="김연수" userId="aebf67d56af0f801" providerId="LiveId" clId="{71C3996E-C22D-4C74-AFB3-176AD5791EAE}" dt="2018-02-12T05:38:03.366" v="30" actId="1076"/>
+        <pc:sldMkLst>
+          <pc:docMk/>
+          <pc:sldMk cId="2320818773" sldId="384"/>
+        </pc:sldMkLst>
+      </pc:sldChg>
+      <pc:sldMasterChg chg="addSp delSp modSldLayout">
+        <pc:chgData name="김연수" userId="aebf67d56af0f801" providerId="LiveId" clId="{71C3996E-C22D-4C74-AFB3-176AD5791EAE}" dt="2018-02-12T05:12:54.826" v="26" actId="478"/>
+        <pc:sldMasterMkLst>
+          <pc:docMk/>
+          <pc:sldMasterMk cId="1270766221" sldId="2147483961"/>
+        </pc:sldMasterMkLst>
+        <pc:spChg chg="add del">
+          <ac:chgData name="김연수" userId="aebf67d56af0f801" providerId="LiveId" clId="{71C3996E-C22D-4C74-AFB3-176AD5791EAE}" dt="2018-02-12T05:12:49.473" v="25" actId="478"/>
+          <ac:spMkLst>
+            <pc:docMk/>
+            <pc:sldMasterMk cId="1270766221" sldId="2147483961"/>
+            <ac:spMk id="34" creationId="{579B4AD2-2D83-48C5-84F4-4261EE22B811}"/>
+          </ac:spMkLst>
+        </pc:spChg>
+        <pc:picChg chg="add del">
+          <ac:chgData name="김연수" userId="aebf67d56af0f801" providerId="LiveId" clId="{71C3996E-C22D-4C74-AFB3-176AD5791EAE}" dt="2018-02-12T05:12:35.925" v="23" actId="478"/>
+          <ac:picMkLst>
+            <pc:docMk/>
+            <pc:sldMasterMk cId="1270766221" sldId="2147483961"/>
+            <ac:picMk id="35" creationId="{BFBDF64F-F8D8-46A6-B7C3-47DE3518E41E}"/>
+          </ac:picMkLst>
+        </pc:picChg>
+        <pc:sldLayoutChg chg="addSp delSp modSp">
+          <pc:chgData name="김연수" userId="aebf67d56af0f801" providerId="LiveId" clId="{71C3996E-C22D-4C74-AFB3-176AD5791EAE}" dt="2018-02-12T05:12:10.921" v="22" actId="478"/>
+          <pc:sldLayoutMkLst>
+            <pc:docMk/>
+            <pc:sldMasterMk cId="1270766221" sldId="2147483961"/>
+            <pc:sldLayoutMk cId="852057817" sldId="2147483962"/>
+          </pc:sldLayoutMkLst>
+          <pc:picChg chg="add del mod">
+            <ac:chgData name="김연수" userId="aebf67d56af0f801" providerId="LiveId" clId="{71C3996E-C22D-4C74-AFB3-176AD5791EAE}" dt="2018-02-12T05:12:10.921" v="22" actId="478"/>
+            <ac:picMkLst>
+              <pc:docMk/>
+              <pc:sldMasterMk cId="1270766221" sldId="2147483961"/>
+              <pc:sldLayoutMk cId="852057817" sldId="2147483962"/>
+              <ac:picMk id="8" creationId="{95E56D4C-93F4-4B31-B93E-FAFC333CC3D0}"/>
+            </ac:picMkLst>
+          </pc:picChg>
+        </pc:sldLayoutChg>
+        <pc:sldLayoutChg chg="addSp delSp">
+          <pc:chgData name="김연수" userId="aebf67d56af0f801" providerId="LiveId" clId="{71C3996E-C22D-4C74-AFB3-176AD5791EAE}" dt="2018-02-12T05:12:54.826" v="26" actId="478"/>
+          <pc:sldLayoutMkLst>
+            <pc:docMk/>
+            <pc:sldMasterMk cId="1270766221" sldId="2147483961"/>
+            <pc:sldLayoutMk cId="1043816855" sldId="2147483963"/>
+          </pc:sldLayoutMkLst>
+          <pc:spChg chg="add del">
+            <ac:chgData name="김연수" userId="aebf67d56af0f801" providerId="LiveId" clId="{71C3996E-C22D-4C74-AFB3-176AD5791EAE}" dt="2018-02-12T05:12:54.826" v="26" actId="478"/>
+            <ac:spMkLst>
+              <pc:docMk/>
+              <pc:sldMasterMk cId="1270766221" sldId="2147483961"/>
+              <pc:sldLayoutMk cId="1043816855" sldId="2147483963"/>
+              <ac:spMk id="8" creationId="{C58ABD40-43BD-462C-BE94-AE508DEF5B96}"/>
+            </ac:spMkLst>
+          </pc:spChg>
+          <pc:picChg chg="add del">
+            <ac:chgData name="김연수" userId="aebf67d56af0f801" providerId="LiveId" clId="{71C3996E-C22D-4C74-AFB3-176AD5791EAE}" dt="2018-02-12T05:12:39.250" v="24" actId="478"/>
+            <ac:picMkLst>
+              <pc:docMk/>
+              <pc:sldMasterMk cId="1270766221" sldId="2147483961"/>
+              <pc:sldLayoutMk cId="1043816855" sldId="2147483963"/>
+              <ac:picMk id="9" creationId="{6E8FF936-AC01-4E22-83A7-0DE5AEB3498B}"/>
+            </ac:picMkLst>
+          </pc:picChg>
+        </pc:sldLayoutChg>
+      </pc:sldMasterChg>
+    </pc:docChg>
+  </pc:docChgLst>
+  <pc:docChgLst>
+    <pc:chgData name="김연수" userId="aebf67d56af0f801" providerId="LiveId" clId="{21805A66-1A96-4CDC-80BD-D1F28D18F5EF}"/>
+    <pc:docChg chg="custSel addSld modSld">
+      <pc:chgData name="김연수" userId="aebf67d56af0f801" providerId="LiveId" clId="{21805A66-1A96-4CDC-80BD-D1F28D18F5EF}" dt="2018-01-22T06:18:10.089" v="173" actId="1076"/>
+      <pc:docMkLst>
+        <pc:docMk/>
+      </pc:docMkLst>
+      <pc:sldChg chg="addSp delSp modSp add">
+        <pc:chgData name="김연수" userId="aebf67d56af0f801" providerId="LiveId" clId="{21805A66-1A96-4CDC-80BD-D1F28D18F5EF}" dt="2018-01-22T06:18:10.089" v="173" actId="1076"/>
+        <pc:sldMkLst>
+          <pc:docMk/>
+          <pc:sldMk cId="2575288191" sldId="382"/>
+        </pc:sldMkLst>
+        <pc:spChg chg="add mod">
+          <ac:chgData name="김연수" userId="aebf67d56af0f801" providerId="LiveId" clId="{21805A66-1A96-4CDC-80BD-D1F28D18F5EF}" dt="2018-01-22T06:17:58.899" v="172" actId="20577"/>
+          <ac:spMkLst>
+            <pc:docMk/>
+            <pc:sldMk cId="2575288191" sldId="382"/>
+            <ac:spMk id="3" creationId="{615CDDD0-87C1-4FB9-8683-AC9AD52CA367}"/>
+          </ac:spMkLst>
+        </pc:spChg>
+        <pc:graphicFrameChg chg="del">
+          <ac:chgData name="김연수" userId="aebf67d56af0f801" providerId="LiveId" clId="{21805A66-1A96-4CDC-80BD-D1F28D18F5EF}" dt="2018-01-22T06:12:14.140" v="3" actId="478"/>
+          <ac:graphicFrameMkLst>
+            <pc:docMk/>
+            <pc:sldMk cId="2575288191" sldId="382"/>
+            <ac:graphicFrameMk id="4" creationId="{FB1D36DC-389C-4864-95F6-661946D6B607}"/>
+          </ac:graphicFrameMkLst>
+        </pc:graphicFrameChg>
+        <pc:picChg chg="add mod">
+          <ac:chgData name="김연수" userId="aebf67d56af0f801" providerId="LiveId" clId="{21805A66-1A96-4CDC-80BD-D1F28D18F5EF}" dt="2018-01-22T06:17:27.265" v="167" actId="1076"/>
+          <ac:picMkLst>
+            <pc:docMk/>
+            <pc:sldMk cId="2575288191" sldId="382"/>
+            <ac:picMk id="5" creationId="{7CBA4CB8-3C5A-4041-AD81-774B939881DC}"/>
+          </ac:picMkLst>
+        </pc:picChg>
+        <pc:picChg chg="del">
+          <ac:chgData name="김연수" userId="aebf67d56af0f801" providerId="LiveId" clId="{21805A66-1A96-4CDC-80BD-D1F28D18F5EF}" dt="2018-01-22T06:12:12.126" v="1" actId="478"/>
+          <ac:picMkLst>
+            <pc:docMk/>
+            <pc:sldMk cId="2575288191" sldId="382"/>
+            <ac:picMk id="4098" creationId="{B8DC20D9-DBC1-4AE0-95BF-5412F68C1978}"/>
+          </ac:picMkLst>
+        </pc:picChg>
+        <pc:picChg chg="add mod">
+          <ac:chgData name="김연수" userId="aebf67d56af0f801" providerId="LiveId" clId="{21805A66-1A96-4CDC-80BD-D1F28D18F5EF}" dt="2018-01-22T06:18:10.089" v="173" actId="1076"/>
+          <ac:picMkLst>
+            <pc:docMk/>
+            <pc:sldMk cId="2575288191" sldId="382"/>
+            <ac:picMk id="4099" creationId="{F429AB00-AEA3-4752-8D1D-63A23434D53F}"/>
+          </ac:picMkLst>
+        </pc:picChg>
+        <pc:picChg chg="del">
+          <ac:chgData name="김연수" userId="aebf67d56af0f801" providerId="LiveId" clId="{21805A66-1A96-4CDC-80BD-D1F28D18F5EF}" dt="2018-01-22T06:12:12.898" v="2" actId="478"/>
+          <ac:picMkLst>
+            <pc:docMk/>
+            <pc:sldMk cId="2575288191" sldId="382"/>
+            <ac:picMk id="4100" creationId="{E2830809-057C-4D4A-B550-B092DD135D24}"/>
+          </ac:picMkLst>
+        </pc:picChg>
+      </pc:sldChg>
+    </pc:docChg>
+  </pc:docChgLst>
+  <pc:docChgLst>
     <pc:chgData name="김연수" userId="aebf67d56af0f801" providerId="LiveId" clId="{786AF403-24C0-4926-980C-B5AB3EE35CDA}"/>
     <pc:docChg chg="undo custSel addSld delSld modSld sldOrd">
       <pc:chgData name="김연수" userId="aebf67d56af0f801" providerId="LiveId" clId="{786AF403-24C0-4926-980C-B5AB3EE35CDA}" dt="2018-01-03T09:04:21.601" v="1490" actId="1076"/>
@@ -708,497 +1196,6 @@
       </pc:sldChg>
     </pc:docChg>
   </pc:docChgLst>
-  <pc:docChgLst>
-    <pc:chgData name="김연수" userId="aebf67d56af0f801" providerId="LiveId" clId="{71C3996E-C22D-4C74-AFB3-176AD5791EAE}"/>
-    <pc:docChg chg="custSel addSld delSld modSld modMainMaster">
-      <pc:chgData name="김연수" userId="aebf67d56af0f801" providerId="LiveId" clId="{71C3996E-C22D-4C74-AFB3-176AD5791EAE}" dt="2018-02-12T05:53:38.597" v="621" actId="1076"/>
-      <pc:docMkLst>
-        <pc:docMk/>
-      </pc:docMkLst>
-      <pc:sldChg chg="delSp">
-        <pc:chgData name="김연수" userId="aebf67d56af0f801" providerId="LiveId" clId="{71C3996E-C22D-4C74-AFB3-176AD5791EAE}" dt="2018-02-12T05:21:03.220" v="27" actId="478"/>
-        <pc:sldMkLst>
-          <pc:docMk/>
-          <pc:sldMk cId="0" sldId="295"/>
-        </pc:sldMkLst>
-        <pc:spChg chg="del">
-          <ac:chgData name="김연수" userId="aebf67d56af0f801" providerId="LiveId" clId="{71C3996E-C22D-4C74-AFB3-176AD5791EAE}" dt="2018-02-12T05:21:03.220" v="27" actId="478"/>
-          <ac:spMkLst>
-            <pc:docMk/>
-            <pc:sldMk cId="0" sldId="295"/>
-            <ac:spMk id="4101" creationId="{D75EFFAF-B972-4B34-AD33-F88B9200770A}"/>
-          </ac:spMkLst>
-        </pc:spChg>
-      </pc:sldChg>
-      <pc:sldChg chg="modSp">
-        <pc:chgData name="김연수" userId="aebf67d56af0f801" providerId="LiveId" clId="{71C3996E-C22D-4C74-AFB3-176AD5791EAE}" dt="2018-02-12T05:07:18.977" v="10" actId="27636"/>
-        <pc:sldMkLst>
-          <pc:docMk/>
-          <pc:sldMk cId="0" sldId="367"/>
-        </pc:sldMkLst>
-        <pc:spChg chg="mod">
-          <ac:chgData name="김연수" userId="aebf67d56af0f801" providerId="LiveId" clId="{71C3996E-C22D-4C74-AFB3-176AD5791EAE}" dt="2018-02-12T05:07:18.977" v="10" actId="27636"/>
-          <ac:spMkLst>
-            <pc:docMk/>
-            <pc:sldMk cId="0" sldId="367"/>
-            <ac:spMk id="6147" creationId="{1982F47F-F98A-4E68-B1AD-50A2D94E9337}"/>
-          </ac:spMkLst>
-        </pc:spChg>
-      </pc:sldChg>
-      <pc:sldChg chg="modSp">
-        <pc:chgData name="김연수" userId="aebf67d56af0f801" providerId="LiveId" clId="{71C3996E-C22D-4C74-AFB3-176AD5791EAE}" dt="2018-02-12T05:09:04.149" v="20" actId="27636"/>
-        <pc:sldMkLst>
-          <pc:docMk/>
-          <pc:sldMk cId="2130903464" sldId="372"/>
-        </pc:sldMkLst>
-        <pc:spChg chg="mod">
-          <ac:chgData name="김연수" userId="aebf67d56af0f801" providerId="LiveId" clId="{71C3996E-C22D-4C74-AFB3-176AD5791EAE}" dt="2018-02-12T05:09:04.149" v="20" actId="27636"/>
-          <ac:spMkLst>
-            <pc:docMk/>
-            <pc:sldMk cId="2130903464" sldId="372"/>
-            <ac:spMk id="3" creationId="{0D7485E8-8CAF-43BA-9268-0D6A7AD60A63}"/>
-          </ac:spMkLst>
-        </pc:spChg>
-      </pc:sldChg>
-      <pc:sldChg chg="modSp">
-        <pc:chgData name="김연수" userId="aebf67d56af0f801" providerId="LiveId" clId="{71C3996E-C22D-4C74-AFB3-176AD5791EAE}" dt="2018-02-12T05:07:44.862" v="13" actId="27636"/>
-        <pc:sldMkLst>
-          <pc:docMk/>
-          <pc:sldMk cId="2102086756" sldId="374"/>
-        </pc:sldMkLst>
-        <pc:spChg chg="mod">
-          <ac:chgData name="김연수" userId="aebf67d56af0f801" providerId="LiveId" clId="{71C3996E-C22D-4C74-AFB3-176AD5791EAE}" dt="2018-02-12T05:07:44.862" v="13" actId="27636"/>
-          <ac:spMkLst>
-            <pc:docMk/>
-            <pc:sldMk cId="2102086756" sldId="374"/>
-            <ac:spMk id="3" creationId="{B9401628-FA15-40B8-B9CF-59F9C8B21372}"/>
-          </ac:spMkLst>
-        </pc:spChg>
-      </pc:sldChg>
-      <pc:sldChg chg="addSp delSp modSp">
-        <pc:chgData name="김연수" userId="aebf67d56af0f801" providerId="LiveId" clId="{71C3996E-C22D-4C74-AFB3-176AD5791EAE}" dt="2018-02-12T05:53:38.597" v="621" actId="1076"/>
-        <pc:sldMkLst>
-          <pc:docMk/>
-          <pc:sldMk cId="280804507" sldId="378"/>
-        </pc:sldMkLst>
-        <pc:spChg chg="del mod">
-          <ac:chgData name="김연수" userId="aebf67d56af0f801" providerId="LiveId" clId="{71C3996E-C22D-4C74-AFB3-176AD5791EAE}" dt="2018-02-12T05:50:04.824" v="610" actId="478"/>
-          <ac:spMkLst>
-            <pc:docMk/>
-            <pc:sldMk cId="280804507" sldId="378"/>
-            <ac:spMk id="7" creationId="{AF159152-9C08-4C1B-B7EC-ED4101B8928C}"/>
-          </ac:spMkLst>
-        </pc:spChg>
-        <pc:spChg chg="add mod">
-          <ac:chgData name="김연수" userId="aebf67d56af0f801" providerId="LiveId" clId="{71C3996E-C22D-4C74-AFB3-176AD5791EAE}" dt="2018-02-12T05:53:38.597" v="621" actId="1076"/>
-          <ac:spMkLst>
-            <pc:docMk/>
-            <pc:sldMk cId="280804507" sldId="378"/>
-            <ac:spMk id="8" creationId="{0DF1DEE7-4639-4C5F-B7C5-486988A698F9}"/>
-          </ac:spMkLst>
-        </pc:spChg>
-        <pc:spChg chg="add mod">
-          <ac:chgData name="김연수" userId="aebf67d56af0f801" providerId="LiveId" clId="{71C3996E-C22D-4C74-AFB3-176AD5791EAE}" dt="2018-02-12T05:44:27.606" v="197" actId="1076"/>
-          <ac:spMkLst>
-            <pc:docMk/>
-            <pc:sldMk cId="280804507" sldId="378"/>
-            <ac:spMk id="9" creationId="{084EE92A-7400-40C4-95CE-A157D1AAA13A}"/>
-          </ac:spMkLst>
-        </pc:spChg>
-        <pc:spChg chg="mod">
-          <ac:chgData name="김연수" userId="aebf67d56af0f801" providerId="LiveId" clId="{71C3996E-C22D-4C74-AFB3-176AD5791EAE}" dt="2018-02-12T05:52:36.489" v="619" actId="6549"/>
-          <ac:spMkLst>
-            <pc:docMk/>
-            <pc:sldMk cId="280804507" sldId="378"/>
-            <ac:spMk id="11267" creationId="{BD7987CE-31FC-4C6A-A72F-191212AC3F9E}"/>
-          </ac:spMkLst>
-        </pc:spChg>
-        <pc:graphicFrameChg chg="del mod modGraphic">
-          <ac:chgData name="김연수" userId="aebf67d56af0f801" providerId="LiveId" clId="{71C3996E-C22D-4C74-AFB3-176AD5791EAE}" dt="2018-02-12T05:43:04.476" v="106" actId="478"/>
-          <ac:graphicFrameMkLst>
-            <pc:docMk/>
-            <pc:sldMk cId="280804507" sldId="378"/>
-            <ac:graphicFrameMk id="3" creationId="{FB2A720A-363B-477A-8F6D-A608A3282EE1}"/>
-          </ac:graphicFrameMkLst>
-        </pc:graphicFrameChg>
-        <pc:graphicFrameChg chg="add del mod modGraphic">
-          <ac:chgData name="김연수" userId="aebf67d56af0f801" providerId="LiveId" clId="{71C3996E-C22D-4C74-AFB3-176AD5791EAE}" dt="2018-02-12T05:43:08.061" v="107" actId="478"/>
-          <ac:graphicFrameMkLst>
-            <pc:docMk/>
-            <pc:sldMk cId="280804507" sldId="378"/>
-            <ac:graphicFrameMk id="10" creationId="{383E95BE-9347-47EB-888D-9E23B994A5B0}"/>
-          </ac:graphicFrameMkLst>
-        </pc:graphicFrameChg>
-        <pc:graphicFrameChg chg="add mod modGraphic">
-          <ac:chgData name="김연수" userId="aebf67d56af0f801" providerId="LiveId" clId="{71C3996E-C22D-4C74-AFB3-176AD5791EAE}" dt="2018-02-12T05:43:21.184" v="110" actId="1076"/>
-          <ac:graphicFrameMkLst>
-            <pc:docMk/>
-            <pc:sldMk cId="280804507" sldId="378"/>
-            <ac:graphicFrameMk id="11" creationId="{5A61F48D-7284-4490-94BB-6C05FB6C0B1F}"/>
-          </ac:graphicFrameMkLst>
-        </pc:graphicFrameChg>
-        <pc:picChg chg="mod">
-          <ac:chgData name="김연수" userId="aebf67d56af0f801" providerId="LiveId" clId="{71C3996E-C22D-4C74-AFB3-176AD5791EAE}" dt="2018-02-12T05:39:39.476" v="37" actId="1076"/>
-          <ac:picMkLst>
-            <pc:docMk/>
-            <pc:sldMk cId="280804507" sldId="378"/>
-            <ac:picMk id="6" creationId="{C652C955-CCBD-4ADE-9F61-D99A66713BB3}"/>
-          </ac:picMkLst>
-        </pc:picChg>
-        <pc:picChg chg="add mod">
-          <ac:chgData name="김연수" userId="aebf67d56af0f801" providerId="LiveId" clId="{71C3996E-C22D-4C74-AFB3-176AD5791EAE}" dt="2018-02-12T05:53:25.343" v="620" actId="1076"/>
-          <ac:picMkLst>
-            <pc:docMk/>
-            <pc:sldMk cId="280804507" sldId="378"/>
-            <ac:picMk id="12" creationId="{C88B36A3-EADE-406A-9621-B97F50D6FAA1}"/>
-          </ac:picMkLst>
-        </pc:picChg>
-      </pc:sldChg>
-      <pc:sldChg chg="add">
-        <pc:chgData name="김연수" userId="aebf67d56af0f801" providerId="LiveId" clId="{71C3996E-C22D-4C74-AFB3-176AD5791EAE}" dt="2018-02-12T05:37:54.031" v="29" actId="1076"/>
-        <pc:sldMkLst>
-          <pc:docMk/>
-          <pc:sldMk cId="1191103487" sldId="383"/>
-        </pc:sldMkLst>
-      </pc:sldChg>
-      <pc:sldChg chg="add">
-        <pc:chgData name="김연수" userId="aebf67d56af0f801" providerId="LiveId" clId="{71C3996E-C22D-4C74-AFB3-176AD5791EAE}" dt="2018-02-12T05:38:03.366" v="30" actId="1076"/>
-        <pc:sldMkLst>
-          <pc:docMk/>
-          <pc:sldMk cId="2320818773" sldId="384"/>
-        </pc:sldMkLst>
-      </pc:sldChg>
-      <pc:sldMasterChg chg="addSp delSp modSldLayout">
-        <pc:chgData name="김연수" userId="aebf67d56af0f801" providerId="LiveId" clId="{71C3996E-C22D-4C74-AFB3-176AD5791EAE}" dt="2018-02-12T05:12:54.826" v="26" actId="478"/>
-        <pc:sldMasterMkLst>
-          <pc:docMk/>
-          <pc:sldMasterMk cId="1270766221" sldId="2147483961"/>
-        </pc:sldMasterMkLst>
-        <pc:spChg chg="add del">
-          <ac:chgData name="김연수" userId="aebf67d56af0f801" providerId="LiveId" clId="{71C3996E-C22D-4C74-AFB3-176AD5791EAE}" dt="2018-02-12T05:12:49.473" v="25" actId="478"/>
-          <ac:spMkLst>
-            <pc:docMk/>
-            <pc:sldMasterMk cId="1270766221" sldId="2147483961"/>
-            <ac:spMk id="34" creationId="{579B4AD2-2D83-48C5-84F4-4261EE22B811}"/>
-          </ac:spMkLst>
-        </pc:spChg>
-        <pc:picChg chg="add del">
-          <ac:chgData name="김연수" userId="aebf67d56af0f801" providerId="LiveId" clId="{71C3996E-C22D-4C74-AFB3-176AD5791EAE}" dt="2018-02-12T05:12:35.925" v="23" actId="478"/>
-          <ac:picMkLst>
-            <pc:docMk/>
-            <pc:sldMasterMk cId="1270766221" sldId="2147483961"/>
-            <ac:picMk id="35" creationId="{BFBDF64F-F8D8-46A6-B7C3-47DE3518E41E}"/>
-          </ac:picMkLst>
-        </pc:picChg>
-        <pc:sldLayoutChg chg="addSp delSp modSp">
-          <pc:chgData name="김연수" userId="aebf67d56af0f801" providerId="LiveId" clId="{71C3996E-C22D-4C74-AFB3-176AD5791EAE}" dt="2018-02-12T05:12:10.921" v="22" actId="478"/>
-          <pc:sldLayoutMkLst>
-            <pc:docMk/>
-            <pc:sldMasterMk cId="1270766221" sldId="2147483961"/>
-            <pc:sldLayoutMk cId="852057817" sldId="2147483962"/>
-          </pc:sldLayoutMkLst>
-          <pc:picChg chg="add del mod">
-            <ac:chgData name="김연수" userId="aebf67d56af0f801" providerId="LiveId" clId="{71C3996E-C22D-4C74-AFB3-176AD5791EAE}" dt="2018-02-12T05:12:10.921" v="22" actId="478"/>
-            <ac:picMkLst>
-              <pc:docMk/>
-              <pc:sldMasterMk cId="1270766221" sldId="2147483961"/>
-              <pc:sldLayoutMk cId="852057817" sldId="2147483962"/>
-              <ac:picMk id="8" creationId="{95E56D4C-93F4-4B31-B93E-FAFC333CC3D0}"/>
-            </ac:picMkLst>
-          </pc:picChg>
-        </pc:sldLayoutChg>
-        <pc:sldLayoutChg chg="addSp delSp">
-          <pc:chgData name="김연수" userId="aebf67d56af0f801" providerId="LiveId" clId="{71C3996E-C22D-4C74-AFB3-176AD5791EAE}" dt="2018-02-12T05:12:54.826" v="26" actId="478"/>
-          <pc:sldLayoutMkLst>
-            <pc:docMk/>
-            <pc:sldMasterMk cId="1270766221" sldId="2147483961"/>
-            <pc:sldLayoutMk cId="1043816855" sldId="2147483963"/>
-          </pc:sldLayoutMkLst>
-          <pc:spChg chg="add del">
-            <ac:chgData name="김연수" userId="aebf67d56af0f801" providerId="LiveId" clId="{71C3996E-C22D-4C74-AFB3-176AD5791EAE}" dt="2018-02-12T05:12:54.826" v="26" actId="478"/>
-            <ac:spMkLst>
-              <pc:docMk/>
-              <pc:sldMasterMk cId="1270766221" sldId="2147483961"/>
-              <pc:sldLayoutMk cId="1043816855" sldId="2147483963"/>
-              <ac:spMk id="8" creationId="{C58ABD40-43BD-462C-BE94-AE508DEF5B96}"/>
-            </ac:spMkLst>
-          </pc:spChg>
-          <pc:picChg chg="add del">
-            <ac:chgData name="김연수" userId="aebf67d56af0f801" providerId="LiveId" clId="{71C3996E-C22D-4C74-AFB3-176AD5791EAE}" dt="2018-02-12T05:12:39.250" v="24" actId="478"/>
-            <ac:picMkLst>
-              <pc:docMk/>
-              <pc:sldMasterMk cId="1270766221" sldId="2147483961"/>
-              <pc:sldLayoutMk cId="1043816855" sldId="2147483963"/>
-              <ac:picMk id="9" creationId="{6E8FF936-AC01-4E22-83A7-0DE5AEB3498B}"/>
-            </ac:picMkLst>
-          </pc:picChg>
-        </pc:sldLayoutChg>
-      </pc:sldMasterChg>
-    </pc:docChg>
-  </pc:docChgLst>
-  <pc:docChgLst>
-    <pc:chgData name="김연수" userId="aebf67d56af0f801" providerId="LiveId" clId="{6E47EFAF-22FE-4DC4-BBF5-3379B15094C0}"/>
-  </pc:docChgLst>
-  <pc:docChgLst>
-    <pc:chgData name="김연수" userId="aebf67d56af0f801" providerId="LiveId" clId="{21805A66-1A96-4CDC-80BD-D1F28D18F5EF}"/>
-    <pc:docChg chg="custSel addSld modSld">
-      <pc:chgData name="김연수" userId="aebf67d56af0f801" providerId="LiveId" clId="{21805A66-1A96-4CDC-80BD-D1F28D18F5EF}" dt="2018-01-22T06:18:10.089" v="173" actId="1076"/>
-      <pc:docMkLst>
-        <pc:docMk/>
-      </pc:docMkLst>
-      <pc:sldChg chg="addSp delSp modSp add">
-        <pc:chgData name="김연수" userId="aebf67d56af0f801" providerId="LiveId" clId="{21805A66-1A96-4CDC-80BD-D1F28D18F5EF}" dt="2018-01-22T06:18:10.089" v="173" actId="1076"/>
-        <pc:sldMkLst>
-          <pc:docMk/>
-          <pc:sldMk cId="2575288191" sldId="382"/>
-        </pc:sldMkLst>
-        <pc:spChg chg="add mod">
-          <ac:chgData name="김연수" userId="aebf67d56af0f801" providerId="LiveId" clId="{21805A66-1A96-4CDC-80BD-D1F28D18F5EF}" dt="2018-01-22T06:17:58.899" v="172" actId="20577"/>
-          <ac:spMkLst>
-            <pc:docMk/>
-            <pc:sldMk cId="2575288191" sldId="382"/>
-            <ac:spMk id="3" creationId="{615CDDD0-87C1-4FB9-8683-AC9AD52CA367}"/>
-          </ac:spMkLst>
-        </pc:spChg>
-        <pc:graphicFrameChg chg="del">
-          <ac:chgData name="김연수" userId="aebf67d56af0f801" providerId="LiveId" clId="{21805A66-1A96-4CDC-80BD-D1F28D18F5EF}" dt="2018-01-22T06:12:14.140" v="3" actId="478"/>
-          <ac:graphicFrameMkLst>
-            <pc:docMk/>
-            <pc:sldMk cId="2575288191" sldId="382"/>
-            <ac:graphicFrameMk id="4" creationId="{FB1D36DC-389C-4864-95F6-661946D6B607}"/>
-          </ac:graphicFrameMkLst>
-        </pc:graphicFrameChg>
-        <pc:picChg chg="add mod">
-          <ac:chgData name="김연수" userId="aebf67d56af0f801" providerId="LiveId" clId="{21805A66-1A96-4CDC-80BD-D1F28D18F5EF}" dt="2018-01-22T06:17:27.265" v="167" actId="1076"/>
-          <ac:picMkLst>
-            <pc:docMk/>
-            <pc:sldMk cId="2575288191" sldId="382"/>
-            <ac:picMk id="5" creationId="{7CBA4CB8-3C5A-4041-AD81-774B939881DC}"/>
-          </ac:picMkLst>
-        </pc:picChg>
-        <pc:picChg chg="del">
-          <ac:chgData name="김연수" userId="aebf67d56af0f801" providerId="LiveId" clId="{21805A66-1A96-4CDC-80BD-D1F28D18F5EF}" dt="2018-01-22T06:12:12.126" v="1" actId="478"/>
-          <ac:picMkLst>
-            <pc:docMk/>
-            <pc:sldMk cId="2575288191" sldId="382"/>
-            <ac:picMk id="4098" creationId="{B8DC20D9-DBC1-4AE0-95BF-5412F68C1978}"/>
-          </ac:picMkLst>
-        </pc:picChg>
-        <pc:picChg chg="add mod">
-          <ac:chgData name="김연수" userId="aebf67d56af0f801" providerId="LiveId" clId="{21805A66-1A96-4CDC-80BD-D1F28D18F5EF}" dt="2018-01-22T06:18:10.089" v="173" actId="1076"/>
-          <ac:picMkLst>
-            <pc:docMk/>
-            <pc:sldMk cId="2575288191" sldId="382"/>
-            <ac:picMk id="4099" creationId="{F429AB00-AEA3-4752-8D1D-63A23434D53F}"/>
-          </ac:picMkLst>
-        </pc:picChg>
-        <pc:picChg chg="del">
-          <ac:chgData name="김연수" userId="aebf67d56af0f801" providerId="LiveId" clId="{21805A66-1A96-4CDC-80BD-D1F28D18F5EF}" dt="2018-01-22T06:12:12.898" v="2" actId="478"/>
-          <ac:picMkLst>
-            <pc:docMk/>
-            <pc:sldMk cId="2575288191" sldId="382"/>
-            <ac:picMk id="4100" creationId="{E2830809-057C-4D4A-B550-B092DD135D24}"/>
-          </ac:picMkLst>
-        </pc:picChg>
-      </pc:sldChg>
-    </pc:docChg>
-  </pc:docChgLst>
-  <pc:docChgLst>
-    <pc:chgData userId="aebf67d56af0f801" providerId="LiveId" clId="{6153D0E9-EB37-4B99-BB5D-1E45B0EA610C}"/>
-    <pc:docChg chg="custSel addSld modSld">
-      <pc:chgData name="" userId="aebf67d56af0f801" providerId="LiveId" clId="{6153D0E9-EB37-4B99-BB5D-1E45B0EA610C}" dt="2018-03-20T07:08:07.989" v="1343"/>
-      <pc:docMkLst>
-        <pc:docMk/>
-      </pc:docMkLst>
-      <pc:sldChg chg="modSp">
-        <pc:chgData name="" userId="aebf67d56af0f801" providerId="LiveId" clId="{6153D0E9-EB37-4B99-BB5D-1E45B0EA610C}" dt="2018-03-20T07:08:07.989" v="1343"/>
-        <pc:sldMkLst>
-          <pc:docMk/>
-          <pc:sldMk cId="2320818773" sldId="384"/>
-        </pc:sldMkLst>
-        <pc:spChg chg="mod">
-          <ac:chgData name="" userId="aebf67d56af0f801" providerId="LiveId" clId="{6153D0E9-EB37-4B99-BB5D-1E45B0EA610C}" dt="2018-03-20T07:08:07.989" v="1343"/>
-          <ac:spMkLst>
-            <pc:docMk/>
-            <pc:sldMk cId="2320818773" sldId="384"/>
-            <ac:spMk id="9219" creationId="{E795202B-C13C-4527-8AB6-4E4909F186C8}"/>
-          </ac:spMkLst>
-        </pc:spChg>
-      </pc:sldChg>
-      <pc:sldChg chg="addSp delSp modSp">
-        <pc:chgData name="" userId="aebf67d56af0f801" providerId="LiveId" clId="{6153D0E9-EB37-4B99-BB5D-1E45B0EA610C}" dt="2018-03-20T06:59:35.820" v="764"/>
-        <pc:sldMkLst>
-          <pc:docMk/>
-          <pc:sldMk cId="1069076585" sldId="391"/>
-        </pc:sldMkLst>
-        <pc:spChg chg="mod">
-          <ac:chgData name="" userId="aebf67d56af0f801" providerId="LiveId" clId="{6153D0E9-EB37-4B99-BB5D-1E45B0EA610C}" dt="2018-03-20T06:52:58.311" v="475" actId="20577"/>
-          <ac:spMkLst>
-            <pc:docMk/>
-            <pc:sldMk cId="1069076585" sldId="391"/>
-            <ac:spMk id="3" creationId="{00000000-0000-0000-0000-000000000000}"/>
-          </ac:spMkLst>
-        </pc:spChg>
-        <pc:spChg chg="del mod">
-          <ac:chgData name="" userId="aebf67d56af0f801" providerId="LiveId" clId="{6153D0E9-EB37-4B99-BB5D-1E45B0EA610C}" dt="2018-03-20T06:54:41.351" v="478"/>
-          <ac:spMkLst>
-            <pc:docMk/>
-            <pc:sldMk cId="1069076585" sldId="391"/>
-            <ac:spMk id="5" creationId="{00000000-0000-0000-0000-000000000000}"/>
-          </ac:spMkLst>
-        </pc:spChg>
-        <pc:spChg chg="add mod">
-          <ac:chgData name="" userId="aebf67d56af0f801" providerId="LiveId" clId="{6153D0E9-EB37-4B99-BB5D-1E45B0EA610C}" dt="2018-03-20T06:59:35.820" v="764"/>
-          <ac:spMkLst>
-            <pc:docMk/>
-            <pc:sldMk cId="1069076585" sldId="391"/>
-            <ac:spMk id="6" creationId="{333645EF-5042-4DD1-92E8-93C2E0BF7A44}"/>
-          </ac:spMkLst>
-        </pc:spChg>
-        <pc:spChg chg="del mod">
-          <ac:chgData name="" userId="aebf67d56af0f801" providerId="LiveId" clId="{6153D0E9-EB37-4B99-BB5D-1E45B0EA610C}" dt="2018-03-20T06:54:43.950" v="481"/>
-          <ac:spMkLst>
-            <pc:docMk/>
-            <pc:sldMk cId="1069076585" sldId="391"/>
-            <ac:spMk id="7" creationId="{00000000-0000-0000-0000-000000000000}"/>
-          </ac:spMkLst>
-        </pc:spChg>
-      </pc:sldChg>
-      <pc:sldChg chg="addSp delSp modSp">
-        <pc:chgData name="" userId="aebf67d56af0f801" providerId="LiveId" clId="{6153D0E9-EB37-4B99-BB5D-1E45B0EA610C}" dt="2018-03-20T07:00:43.168" v="765" actId="1076"/>
-        <pc:sldMkLst>
-          <pc:docMk/>
-          <pc:sldMk cId="3557996374" sldId="392"/>
-        </pc:sldMkLst>
-        <pc:spChg chg="mod">
-          <ac:chgData name="" userId="aebf67d56af0f801" providerId="LiveId" clId="{6153D0E9-EB37-4B99-BB5D-1E45B0EA610C}" dt="2018-03-20T06:52:35.920" v="473" actId="20577"/>
-          <ac:spMkLst>
-            <pc:docMk/>
-            <pc:sldMk cId="3557996374" sldId="392"/>
-            <ac:spMk id="2" creationId="{00000000-0000-0000-0000-000000000000}"/>
-          </ac:spMkLst>
-        </pc:spChg>
-        <pc:spChg chg="mod">
-          <ac:chgData name="" userId="aebf67d56af0f801" providerId="LiveId" clId="{6153D0E9-EB37-4B99-BB5D-1E45B0EA610C}" dt="2018-03-20T06:52:27.792" v="465" actId="20577"/>
-          <ac:spMkLst>
-            <pc:docMk/>
-            <pc:sldMk cId="3557996374" sldId="392"/>
-            <ac:spMk id="3" creationId="{00000000-0000-0000-0000-000000000000}"/>
-          </ac:spMkLst>
-        </pc:spChg>
-        <pc:spChg chg="add mod">
-          <ac:chgData name="" userId="aebf67d56af0f801" providerId="LiveId" clId="{6153D0E9-EB37-4B99-BB5D-1E45B0EA610C}" dt="2018-03-20T07:00:43.168" v="765" actId="1076"/>
-          <ac:spMkLst>
-            <pc:docMk/>
-            <pc:sldMk cId="3557996374" sldId="392"/>
-            <ac:spMk id="6" creationId="{70392821-FCAC-4440-BB75-BEB10B0C0686}"/>
-          </ac:spMkLst>
-        </pc:spChg>
-        <pc:picChg chg="del">
-          <ac:chgData name="" userId="aebf67d56af0f801" providerId="LiveId" clId="{6153D0E9-EB37-4B99-BB5D-1E45B0EA610C}" dt="2018-03-20T06:46:40.125" v="305" actId="478"/>
-          <ac:picMkLst>
-            <pc:docMk/>
-            <pc:sldMk cId="3557996374" sldId="392"/>
-            <ac:picMk id="5" creationId="{00000000-0000-0000-0000-000000000000}"/>
-          </ac:picMkLst>
-        </pc:picChg>
-      </pc:sldChg>
-      <pc:sldChg chg="modSp">
-        <pc:chgData name="" userId="aebf67d56af0f801" providerId="LiveId" clId="{6153D0E9-EB37-4B99-BB5D-1E45B0EA610C}" dt="2018-02-22T04:56:09.386" v="1"/>
-        <pc:sldMkLst>
-          <pc:docMk/>
-          <pc:sldMk cId="3882421639" sldId="393"/>
-        </pc:sldMkLst>
-        <pc:spChg chg="mod">
-          <ac:chgData name="" userId="aebf67d56af0f801" providerId="LiveId" clId="{6153D0E9-EB37-4B99-BB5D-1E45B0EA610C}" dt="2018-02-22T04:56:09.386" v="1"/>
-          <ac:spMkLst>
-            <pc:docMk/>
-            <pc:sldMk cId="3882421639" sldId="393"/>
-            <ac:spMk id="3" creationId="{00000000-0000-0000-0000-000000000000}"/>
-          </ac:spMkLst>
-        </pc:spChg>
-      </pc:sldChg>
-      <pc:sldChg chg="addSp delSp modSp add">
-        <pc:chgData name="" userId="aebf67d56af0f801" providerId="LiveId" clId="{6153D0E9-EB37-4B99-BB5D-1E45B0EA610C}" dt="2018-02-22T05:09:46.029" v="295"/>
-        <pc:sldMkLst>
-          <pc:docMk/>
-          <pc:sldMk cId="1671146547" sldId="394"/>
-        </pc:sldMkLst>
-        <pc:spChg chg="mod">
-          <ac:chgData name="" userId="aebf67d56af0f801" providerId="LiveId" clId="{6153D0E9-EB37-4B99-BB5D-1E45B0EA610C}" dt="2018-02-22T05:04:42.074" v="28"/>
-          <ac:spMkLst>
-            <pc:docMk/>
-            <pc:sldMk cId="1671146547" sldId="394"/>
-            <ac:spMk id="2" creationId="{A3B4F0DE-BB0B-4ED3-AD47-E59FA283DAB0}"/>
-          </ac:spMkLst>
-        </pc:spChg>
-        <pc:spChg chg="del">
-          <ac:chgData name="" userId="aebf67d56af0f801" providerId="LiveId" clId="{6153D0E9-EB37-4B99-BB5D-1E45B0EA610C}" dt="2018-02-22T05:04:33.621" v="3" actId="478"/>
-          <ac:spMkLst>
-            <pc:docMk/>
-            <pc:sldMk cId="1671146547" sldId="394"/>
-            <ac:spMk id="3" creationId="{D211B601-BF61-4276-87E5-DA24D8261DAA}"/>
-          </ac:spMkLst>
-        </pc:spChg>
-        <pc:spChg chg="add mod">
-          <ac:chgData name="" userId="aebf67d56af0f801" providerId="LiveId" clId="{6153D0E9-EB37-4B99-BB5D-1E45B0EA610C}" dt="2018-02-22T05:07:17.089" v="72" actId="1076"/>
-          <ac:spMkLst>
-            <pc:docMk/>
-            <pc:sldMk cId="1671146547" sldId="394"/>
-            <ac:spMk id="8" creationId="{4D4E5E7A-6140-44CC-9A2E-30207C0B3D0D}"/>
-          </ac:spMkLst>
-        </pc:spChg>
-        <pc:spChg chg="add mod">
-          <ac:chgData name="" userId="aebf67d56af0f801" providerId="LiveId" clId="{6153D0E9-EB37-4B99-BB5D-1E45B0EA610C}" dt="2018-02-22T05:07:20.227" v="73" actId="1076"/>
-          <ac:spMkLst>
-            <pc:docMk/>
-            <pc:sldMk cId="1671146547" sldId="394"/>
-            <ac:spMk id="12" creationId="{F8AEA778-BCEE-406C-B301-645BB0532217}"/>
-          </ac:spMkLst>
-        </pc:spChg>
-        <pc:spChg chg="add mod">
-          <ac:chgData name="" userId="aebf67d56af0f801" providerId="LiveId" clId="{6153D0E9-EB37-4B99-BB5D-1E45B0EA610C}" dt="2018-02-22T05:09:46.029" v="295"/>
-          <ac:spMkLst>
-            <pc:docMk/>
-            <pc:sldMk cId="1671146547" sldId="394"/>
-            <ac:spMk id="15" creationId="{66A9BE1E-DA4D-4528-8925-2CE053F21AD0}"/>
-          </ac:spMkLst>
-        </pc:spChg>
-        <pc:picChg chg="add mod">
-          <ac:chgData name="" userId="aebf67d56af0f801" providerId="LiveId" clId="{6153D0E9-EB37-4B99-BB5D-1E45B0EA610C}" dt="2018-02-22T05:07:07.688" v="67" actId="14100"/>
-          <ac:picMkLst>
-            <pc:docMk/>
-            <pc:sldMk cId="1671146547" sldId="394"/>
-            <ac:picMk id="5" creationId="{BF8AE021-EB06-4251-88D0-CB93F3EBDD39}"/>
-          </ac:picMkLst>
-        </pc:picChg>
-        <pc:cxnChg chg="add mod">
-          <ac:chgData name="" userId="aebf67d56af0f801" providerId="LiveId" clId="{6153D0E9-EB37-4B99-BB5D-1E45B0EA610C}" dt="2018-02-22T05:07:14.717" v="71" actId="14100"/>
-          <ac:cxnSpMkLst>
-            <pc:docMk/>
-            <pc:sldMk cId="1671146547" sldId="394"/>
-            <ac:cxnSpMk id="7" creationId="{5D1E0912-2E34-4DD2-9E4C-9BDAF4B64F4F}"/>
-          </ac:cxnSpMkLst>
-        </pc:cxnChg>
-        <pc:cxnChg chg="add del mod">
-          <ac:chgData name="" userId="aebf67d56af0f801" providerId="LiveId" clId="{6153D0E9-EB37-4B99-BB5D-1E45B0EA610C}" dt="2018-02-22T05:06:24.806" v="49" actId="478"/>
-          <ac:cxnSpMkLst>
-            <pc:docMk/>
-            <pc:sldMk cId="1671146547" sldId="394"/>
-            <ac:cxnSpMk id="9" creationId="{0B3465E6-A97E-4674-9FFA-5E9A78A89A85}"/>
-          </ac:cxnSpMkLst>
-        </pc:cxnChg>
-        <pc:cxnChg chg="add mod">
-          <ac:chgData name="" userId="aebf67d56af0f801" providerId="LiveId" clId="{6153D0E9-EB37-4B99-BB5D-1E45B0EA610C}" dt="2018-02-22T05:07:11.840" v="69" actId="14100"/>
-          <ac:cxnSpMkLst>
-            <pc:docMk/>
-            <pc:sldMk cId="1671146547" sldId="394"/>
-            <ac:cxnSpMk id="10" creationId="{28394FEF-E27F-43B8-9E48-A070754FBF0D}"/>
-          </ac:cxnSpMkLst>
-        </pc:cxnChg>
-      </pc:sldChg>
-    </pc:docChg>
-  </pc:docChgLst>
 </pc:chgInfo>
 </file>
 
@@ -3899,7 +3896,7 @@
           <a:p>
             <a:fld id="{84FA7CA8-85F5-4823-87D5-CF8B06310794}" type="datetimeFigureOut">
               <a:rPr lang="ko-KR" altLang="en-US" smtClean="0"/>
-              <a:t>2018-03-20</a:t>
+              <a:t>2022-05-10</a:t>
             </a:fld>
             <a:endParaRPr lang="ko-KR" altLang="en-US"/>
           </a:p>
@@ -4299,7 +4296,7 @@
           <a:p>
             <a:fld id="{84FA7CA8-85F5-4823-87D5-CF8B06310794}" type="datetimeFigureOut">
               <a:rPr lang="ko-KR" altLang="en-US" smtClean="0"/>
-              <a:t>2018-03-20</a:t>
+              <a:t>2022-05-10</a:t>
             </a:fld>
             <a:endParaRPr lang="ko-KR" altLang="en-US"/>
           </a:p>
@@ -4634,7 +4631,7 @@
           <a:p>
             <a:fld id="{84FA7CA8-85F5-4823-87D5-CF8B06310794}" type="datetimeFigureOut">
               <a:rPr lang="ko-KR" altLang="en-US" smtClean="0"/>
-              <a:t>2018-03-20</a:t>
+              <a:t>2022-05-10</a:t>
             </a:fld>
             <a:endParaRPr lang="ko-KR" altLang="en-US"/>
           </a:p>
@@ -4953,7 +4950,7 @@
           <a:p>
             <a:fld id="{84FA7CA8-85F5-4823-87D5-CF8B06310794}" type="datetimeFigureOut">
               <a:rPr lang="ko-KR" altLang="en-US" smtClean="0"/>
-              <a:t>2018-03-20</a:t>
+              <a:t>2022-05-10</a:t>
             </a:fld>
             <a:endParaRPr lang="ko-KR" altLang="en-US"/>
           </a:p>
@@ -5348,7 +5345,7 @@
           <a:p>
             <a:fld id="{84FA7CA8-85F5-4823-87D5-CF8B06310794}" type="datetimeFigureOut">
               <a:rPr lang="ko-KR" altLang="en-US" smtClean="0"/>
-              <a:t>2018-03-20</a:t>
+              <a:t>2022-05-10</a:t>
             </a:fld>
             <a:endParaRPr lang="ko-KR" altLang="en-US"/>
           </a:p>
@@ -5604,7 +5601,7 @@
           <a:p>
             <a:fld id="{84FA7CA8-85F5-4823-87D5-CF8B06310794}" type="datetimeFigureOut">
               <a:rPr lang="ko-KR" altLang="en-US" smtClean="0"/>
-              <a:t>2018-03-20</a:t>
+              <a:t>2022-05-10</a:t>
             </a:fld>
             <a:endParaRPr lang="ko-KR" altLang="en-US"/>
           </a:p>
@@ -5864,7 +5861,7 @@
           <a:p>
             <a:fld id="{84FA7CA8-85F5-4823-87D5-CF8B06310794}" type="datetimeFigureOut">
               <a:rPr lang="ko-KR" altLang="en-US" smtClean="0"/>
-              <a:t>2018-03-20</a:t>
+              <a:t>2022-05-10</a:t>
             </a:fld>
             <a:endParaRPr lang="ko-KR" altLang="en-US"/>
           </a:p>
@@ -6124,7 +6121,7 @@
           <a:p>
             <a:fld id="{84FA7CA8-85F5-4823-87D5-CF8B06310794}" type="datetimeFigureOut">
               <a:rPr lang="ko-KR" altLang="en-US" smtClean="0"/>
-              <a:t>2018-03-20</a:t>
+              <a:t>2022-05-10</a:t>
             </a:fld>
             <a:endParaRPr lang="ko-KR" altLang="en-US"/>
           </a:p>
@@ -6452,7 +6449,7 @@
           <a:p>
             <a:fld id="{84FA7CA8-85F5-4823-87D5-CF8B06310794}" type="datetimeFigureOut">
               <a:rPr lang="ko-KR" altLang="en-US" smtClean="0"/>
-              <a:t>2018-03-20</a:t>
+              <a:t>2022-05-10</a:t>
             </a:fld>
             <a:endParaRPr lang="ko-KR" altLang="en-US"/>
           </a:p>
@@ -6773,7 +6770,7 @@
           <a:p>
             <a:fld id="{84FA7CA8-85F5-4823-87D5-CF8B06310794}" type="datetimeFigureOut">
               <a:rPr lang="ko-KR" altLang="en-US" smtClean="0"/>
-              <a:t>2018-03-20</a:t>
+              <a:t>2022-05-10</a:t>
             </a:fld>
             <a:endParaRPr lang="ko-KR" altLang="en-US"/>
           </a:p>
@@ -7228,7 +7225,7 @@
           <a:p>
             <a:fld id="{84FA7CA8-85F5-4823-87D5-CF8B06310794}" type="datetimeFigureOut">
               <a:rPr lang="ko-KR" altLang="en-US" smtClean="0"/>
-              <a:t>2018-03-20</a:t>
+              <a:t>2022-05-10</a:t>
             </a:fld>
             <a:endParaRPr lang="ko-KR" altLang="en-US"/>
           </a:p>
@@ -7436,7 +7433,7 @@
           <a:p>
             <a:fld id="{84FA7CA8-85F5-4823-87D5-CF8B06310794}" type="datetimeFigureOut">
               <a:rPr lang="ko-KR" altLang="en-US" smtClean="0"/>
-              <a:t>2018-03-20</a:t>
+              <a:t>2022-05-10</a:t>
             </a:fld>
             <a:endParaRPr lang="ko-KR" altLang="en-US"/>
           </a:p>
@@ -7611,7 +7608,7 @@
           <a:p>
             <a:fld id="{84FA7CA8-85F5-4823-87D5-CF8B06310794}" type="datetimeFigureOut">
               <a:rPr lang="ko-KR" altLang="en-US" smtClean="0"/>
-              <a:t>2018-03-20</a:t>
+              <a:t>2022-05-10</a:t>
             </a:fld>
             <a:endParaRPr lang="ko-KR" altLang="en-US"/>
           </a:p>
@@ -7942,7 +7939,7 @@
           <a:p>
             <a:fld id="{84FA7CA8-85F5-4823-87D5-CF8B06310794}" type="datetimeFigureOut">
               <a:rPr lang="ko-KR" altLang="en-US" smtClean="0"/>
-              <a:t>2018-03-20</a:t>
+              <a:t>2022-05-10</a:t>
             </a:fld>
             <a:endParaRPr lang="ko-KR" altLang="en-US"/>
           </a:p>
@@ -8285,7 +8282,7 @@
           <a:p>
             <a:fld id="{84FA7CA8-85F5-4823-87D5-CF8B06310794}" type="datetimeFigureOut">
               <a:rPr lang="ko-KR" altLang="en-US" smtClean="0"/>
-              <a:t>2018-03-20</a:t>
+              <a:t>2022-05-10</a:t>
             </a:fld>
             <a:endParaRPr lang="ko-KR" altLang="en-US"/>
           </a:p>
@@ -10400,7 +10397,7 @@
           <a:p>
             <a:fld id="{84FA7CA8-85F5-4823-87D5-CF8B06310794}" type="datetimeFigureOut">
               <a:rPr lang="ko-KR" altLang="en-US" smtClean="0"/>
-              <a:t>2018-03-20</a:t>
+              <a:t>2022-05-10</a:t>
             </a:fld>
             <a:endParaRPr lang="ko-KR" altLang="en-US"/>
           </a:p>
@@ -23219,14 +23216,14 @@
           <p:nvPr>
             <p:extLst>
               <p:ext uri="{D42A27DB-BD31-4B8C-83A1-F6EECF244321}">
-                <p14:modId xmlns:p14="http://schemas.microsoft.com/office/powerpoint/2010/main" val="124476787"/>
+                <p14:modId xmlns:p14="http://schemas.microsoft.com/office/powerpoint/2010/main" val="1941367852"/>
               </p:ext>
             </p:extLst>
           </p:nvPr>
         </p:nvGraphicFramePr>
         <p:xfrm>
           <a:off x="683568" y="1419033"/>
-          <a:ext cx="7344817" cy="5178319"/>
+          <a:ext cx="7344817" cy="5115581"/>
         </p:xfrm>
         <a:graphic>
           <a:graphicData uri="http://schemas.openxmlformats.org/drawingml/2006/table">
@@ -24637,53 +24634,15 @@
                           <a:latin typeface="굴림" panose="020B0600000101010101" pitchFamily="50" charset="-127"/>
                           <a:ea typeface="굴림" panose="020B0600000101010101" pitchFamily="50" charset="-127"/>
                         </a:rPr>
-                        <a:t> 어플리케이션 제작</a:t>
+                        <a:t> </a:t>
                       </a:r>
                       <a:r>
-                        <a:rPr lang="en-US" altLang="ko-KR" sz="1300" b="1" baseline="0" dirty="0">
+                        <a:rPr lang="ko-KR" altLang="en-US" sz="1300" b="1" baseline="0">
                           <a:latin typeface="굴림" panose="020B0600000101010101" pitchFamily="50" charset="-127"/>
                           <a:ea typeface="굴림" panose="020B0600000101010101" pitchFamily="50" charset="-127"/>
                         </a:rPr>
-                        <a:t>, </a:t>
+                        <a:t>어플리케이션 제작</a:t>
                       </a:r>
-                      <a:r>
-                        <a:rPr lang="en-US" altLang="ko-KR" sz="1300" b="1" baseline="0" dirty="0" err="1">
-                          <a:latin typeface="굴림" panose="020B0600000101010101" pitchFamily="50" charset="-127"/>
-                          <a:ea typeface="굴림" panose="020B0600000101010101" pitchFamily="50" charset="-127"/>
-                        </a:rPr>
-                        <a:t>dtls</a:t>
-                      </a:r>
-                      <a:r>
-                        <a:rPr lang="ko-KR" altLang="en-US" sz="1300" b="1" baseline="0" dirty="0">
-                          <a:latin typeface="굴림" panose="020B0600000101010101" pitchFamily="50" charset="-127"/>
-                          <a:ea typeface="굴림" panose="020B0600000101010101" pitchFamily="50" charset="-127"/>
-                        </a:rPr>
-                        <a:t>보안 모듈 설계</a:t>
-                      </a:r>
-                      <a:endParaRPr lang="ko-KR" altLang="en-US" sz="1300" b="1" dirty="0">
-                        <a:latin typeface="굴림" panose="020B0600000101010101" pitchFamily="50" charset="-127"/>
-                        <a:ea typeface="굴림" panose="020B0600000101010101" pitchFamily="50" charset="-127"/>
-                      </a:endParaRPr>
-                    </a:p>
-                    <a:p>
-                      <a:pPr marL="0" marR="0" lvl="0" indent="0" algn="l" defTabSz="958850" rtl="0" eaLnBrk="1" fontAlgn="base" latinLnBrk="1" hangingPunct="1">
-                        <a:lnSpc>
-                          <a:spcPct val="120000"/>
-                        </a:lnSpc>
-                        <a:spcBef>
-                          <a:spcPct val="20000"/>
-                        </a:spcBef>
-                        <a:spcAft>
-                          <a:spcPct val="0"/>
-                        </a:spcAft>
-                        <a:buClr>
-                          <a:schemeClr val="tx2"/>
-                        </a:buClr>
-                        <a:buSzTx/>
-                        <a:buFont typeface="Wingdings" pitchFamily="2" charset="2"/>
-                        <a:buNone/>
-                        <a:tabLst/>
-                      </a:pPr>
                       <a:endParaRPr kumimoji="1" lang="en-US" altLang="ko-KR" sz="1300" b="1" i="0" u="none" strike="noStrike" cap="none" normalizeH="0" baseline="0" dirty="0">
                         <a:ln>
                           <a:noFill/>
